--- a/2025_Б_ПІ_ПЗПІ_21-11_Романовський_І_М.pptx
+++ b/2025_Б_ПІ_ПЗПІ_21-11_Романовський_І_М.pptx
@@ -11,9 +11,9 @@
     <p:sldId id="259" r:id="rId5"/>
     <p:sldId id="260" r:id="rId6"/>
     <p:sldId id="261" r:id="rId7"/>
-    <p:sldId id="262" r:id="rId8"/>
-    <p:sldId id="264" r:id="rId9"/>
-    <p:sldId id="263" r:id="rId10"/>
+    <p:sldId id="264" r:id="rId8"/>
+    <p:sldId id="263" r:id="rId9"/>
+    <p:sldId id="262" r:id="rId10"/>
     <p:sldId id="268" r:id="rId11"/>
     <p:sldId id="269" r:id="rId12"/>
   </p:sldIdLst>
@@ -927,7 +927,7 @@
           <a:p>
             <a:fld id="{5BCAD085-E8A6-8845-BD4E-CB4CCA059FC4}" type="datetimeFigureOut">
               <a:rPr lang="en-US" smtClean="0"/>
-              <a:t>6/14/2025</a:t>
+              <a:t>6/15/2025</a:t>
             </a:fld>
             <a:endParaRPr lang="en-US"/>
           </a:p>
@@ -1178,7 +1178,7 @@
           <a:p>
             <a:fld id="{5BCAD085-E8A6-8845-BD4E-CB4CCA059FC4}" type="datetimeFigureOut">
               <a:rPr lang="en-US" smtClean="0"/>
-              <a:t>6/14/2025</a:t>
+              <a:t>6/15/2025</a:t>
             </a:fld>
             <a:endParaRPr lang="en-US"/>
           </a:p>
@@ -1492,7 +1492,7 @@
           <a:p>
             <a:fld id="{5BCAD085-E8A6-8845-BD4E-CB4CCA059FC4}" type="datetimeFigureOut">
               <a:rPr lang="en-US" smtClean="0"/>
-              <a:t>6/14/2025</a:t>
+              <a:t>6/15/2025</a:t>
             </a:fld>
             <a:endParaRPr lang="en-US"/>
           </a:p>
@@ -1825,7 +1825,7 @@
           <a:p>
             <a:fld id="{5BCAD085-E8A6-8845-BD4E-CB4CCA059FC4}" type="datetimeFigureOut">
               <a:rPr lang="en-US" smtClean="0"/>
-              <a:t>6/14/2025</a:t>
+              <a:t>6/15/2025</a:t>
             </a:fld>
             <a:endParaRPr lang="en-US"/>
           </a:p>
@@ -2139,7 +2139,7 @@
           <a:p>
             <a:fld id="{5BCAD085-E8A6-8845-BD4E-CB4CCA059FC4}" type="datetimeFigureOut">
               <a:rPr lang="en-US" smtClean="0"/>
-              <a:t>6/14/2025</a:t>
+              <a:t>6/15/2025</a:t>
             </a:fld>
             <a:endParaRPr lang="en-US"/>
           </a:p>
@@ -2532,7 +2532,7 @@
           <a:p>
             <a:fld id="{5BCAD085-E8A6-8845-BD4E-CB4CCA059FC4}" type="datetimeFigureOut">
               <a:rPr lang="en-US" smtClean="0"/>
-              <a:t>6/14/2025</a:t>
+              <a:t>6/15/2025</a:t>
             </a:fld>
             <a:endParaRPr lang="en-US"/>
           </a:p>
@@ -2702,7 +2702,7 @@
           <a:p>
             <a:fld id="{5BCAD085-E8A6-8845-BD4E-CB4CCA059FC4}" type="datetimeFigureOut">
               <a:rPr lang="en-US" smtClean="0"/>
-              <a:t>6/14/2025</a:t>
+              <a:t>6/15/2025</a:t>
             </a:fld>
             <a:endParaRPr lang="en-US"/>
           </a:p>
@@ -2882,7 +2882,7 @@
           <a:p>
             <a:fld id="{5BCAD085-E8A6-8845-BD4E-CB4CCA059FC4}" type="datetimeFigureOut">
               <a:rPr lang="en-US" smtClean="0"/>
-              <a:t>6/14/2025</a:t>
+              <a:t>6/15/2025</a:t>
             </a:fld>
             <a:endParaRPr lang="en-US"/>
           </a:p>
@@ -3052,7 +3052,7 @@
           <a:p>
             <a:fld id="{5BCAD085-E8A6-8845-BD4E-CB4CCA059FC4}" type="datetimeFigureOut">
               <a:rPr lang="en-US" smtClean="0"/>
-              <a:t>6/14/2025</a:t>
+              <a:t>6/15/2025</a:t>
             </a:fld>
             <a:endParaRPr lang="en-US"/>
           </a:p>
@@ -3299,7 +3299,7 @@
           <a:p>
             <a:fld id="{5BCAD085-E8A6-8845-BD4E-CB4CCA059FC4}" type="datetimeFigureOut">
               <a:rPr lang="en-US" smtClean="0"/>
-              <a:t>6/14/2025</a:t>
+              <a:t>6/15/2025</a:t>
             </a:fld>
             <a:endParaRPr lang="en-US"/>
           </a:p>
@@ -3596,7 +3596,7 @@
           <a:p>
             <a:fld id="{5BCAD085-E8A6-8845-BD4E-CB4CCA059FC4}" type="datetimeFigureOut">
               <a:rPr lang="en-US" smtClean="0"/>
-              <a:t>6/14/2025</a:t>
+              <a:t>6/15/2025</a:t>
             </a:fld>
             <a:endParaRPr lang="en-US"/>
           </a:p>
@@ -3975,7 +3975,7 @@
           <a:p>
             <a:fld id="{5BCAD085-E8A6-8845-BD4E-CB4CCA059FC4}" type="datetimeFigureOut">
               <a:rPr lang="en-US" smtClean="0"/>
-              <a:t>6/14/2025</a:t>
+              <a:t>6/15/2025</a:t>
             </a:fld>
             <a:endParaRPr lang="en-US"/>
           </a:p>
@@ -4098,7 +4098,7 @@
           <a:p>
             <a:fld id="{5BCAD085-E8A6-8845-BD4E-CB4CCA059FC4}" type="datetimeFigureOut">
               <a:rPr lang="en-US" smtClean="0"/>
-              <a:t>6/14/2025</a:t>
+              <a:t>6/15/2025</a:t>
             </a:fld>
             <a:endParaRPr lang="en-US"/>
           </a:p>
@@ -4193,7 +4193,7 @@
           <a:p>
             <a:fld id="{5BCAD085-E8A6-8845-BD4E-CB4CCA059FC4}" type="datetimeFigureOut">
               <a:rPr lang="en-US" smtClean="0"/>
-              <a:t>6/14/2025</a:t>
+              <a:t>6/15/2025</a:t>
             </a:fld>
             <a:endParaRPr lang="en-US"/>
           </a:p>
@@ -4448,7 +4448,7 @@
           <a:p>
             <a:fld id="{5BCAD085-E8A6-8845-BD4E-CB4CCA059FC4}" type="datetimeFigureOut">
               <a:rPr lang="en-US" smtClean="0"/>
-              <a:t>6/14/2025</a:t>
+              <a:t>6/15/2025</a:t>
             </a:fld>
             <a:endParaRPr lang="en-US"/>
           </a:p>
@@ -4711,7 +4711,7 @@
           <a:p>
             <a:fld id="{5BCAD085-E8A6-8845-BD4E-CB4CCA059FC4}" type="datetimeFigureOut">
               <a:rPr lang="en-US" smtClean="0"/>
-              <a:t>6/14/2025</a:t>
+              <a:t>6/15/2025</a:t>
             </a:fld>
             <a:endParaRPr lang="en-US"/>
           </a:p>
@@ -5525,7 +5525,7 @@
           <a:p>
             <a:fld id="{5BCAD085-E8A6-8845-BD4E-CB4CCA059FC4}" type="datetimeFigureOut">
               <a:rPr lang="en-US" smtClean="0"/>
-              <a:t>6/14/2025</a:t>
+              <a:t>6/15/2025</a:t>
             </a:fld>
             <a:endParaRPr lang="en-US"/>
           </a:p>
@@ -6557,9 +6557,12 @@
           <a:p>
             <a:r>
               <a:rPr lang="en-US" sz="1400" dirty="0"/>
-              <a:t>13</a:t>
-            </a:r>
-            <a:endParaRPr lang="ru-RU" sz="1400" dirty="0"/>
+              <a:t>1</a:t>
+            </a:r>
+            <a:r>
+              <a:rPr lang="ru-RU" sz="1400" dirty="0"/>
+              <a:t>0</a:t>
+            </a:r>
           </a:p>
         </p:txBody>
       </p:sp>
@@ -7300,9 +7303,12 @@
           <a:p>
             <a:r>
               <a:rPr lang="en-US" sz="1400" dirty="0"/>
-              <a:t>14</a:t>
-            </a:r>
-            <a:endParaRPr lang="ru-RU" sz="1400" dirty="0"/>
+              <a:t>1</a:t>
+            </a:r>
+            <a:r>
+              <a:rPr lang="ru-RU" sz="1400" dirty="0"/>
+              <a:t>1</a:t>
+            </a:r>
           </a:p>
         </p:txBody>
       </p:sp>
@@ -8835,13 +8841,8 @@
             </a:r>
             <a:r>
               <a:rPr lang="ru-RU" dirty="0"/>
-              <a:t>, породою та </a:t>
-            </a:r>
-            <a:r>
-              <a:rPr lang="ru-RU" dirty="0" err="1"/>
-              <a:t>локацією</a:t>
-            </a:r>
-            <a:endParaRPr lang="ru-RU" dirty="0"/>
+              <a:t> та породою </a:t>
+            </a:r>
           </a:p>
           <a:p>
             <a:r>
@@ -8866,12 +8867,51 @@
             </a:r>
             <a:r>
               <a:rPr lang="ru-RU" dirty="0" err="1"/>
-              <a:t>улюблених</a:t>
+              <a:t>вподобаних</a:t>
             </a:r>
             <a:r>
               <a:rPr lang="ru-RU" dirty="0"/>
               <a:t> анкет</a:t>
             </a:r>
+          </a:p>
+          <a:p>
+            <a:r>
+              <a:rPr lang="ru-RU" dirty="0"/>
+              <a:t>Система </a:t>
+            </a:r>
+            <a:r>
+              <a:rPr lang="ru-RU" b="1" dirty="0"/>
+              <a:t>рейтингу та </a:t>
+            </a:r>
+            <a:r>
+              <a:rPr lang="ru-RU" b="1" dirty="0" err="1"/>
+              <a:t>фіксації</a:t>
+            </a:r>
+            <a:r>
+              <a:rPr lang="ru-RU" b="1" dirty="0"/>
+              <a:t> </a:t>
+            </a:r>
+            <a:r>
+              <a:rPr lang="ru-RU" b="1" dirty="0" err="1"/>
+              <a:t>взаємних</a:t>
+            </a:r>
+            <a:r>
+              <a:rPr lang="ru-RU" b="1" dirty="0"/>
+              <a:t> </a:t>
+            </a:r>
+            <a:r>
+              <a:rPr lang="ru-RU" b="1" dirty="0" err="1"/>
+              <a:t>симпатій</a:t>
+            </a:r>
+            <a:r>
+              <a:rPr lang="ru-RU" b="1" dirty="0"/>
+              <a:t>/</a:t>
+            </a:r>
+            <a:r>
+              <a:rPr lang="ru-RU" b="1" dirty="0" err="1"/>
+              <a:t>антипатій</a:t>
+            </a:r>
+            <a:endParaRPr lang="ru-RU" dirty="0"/>
           </a:p>
           <a:p>
             <a:r>
@@ -8889,45 +8929,6 @@
             <a:r>
               <a:rPr lang="ru-RU" dirty="0" err="1"/>
               <a:t>користувачами</a:t>
-            </a:r>
-            <a:endParaRPr lang="ru-RU" dirty="0"/>
-          </a:p>
-          <a:p>
-            <a:r>
-              <a:rPr lang="ru-RU" dirty="0"/>
-              <a:t>Система </a:t>
-            </a:r>
-            <a:r>
-              <a:rPr lang="ru-RU" b="1" dirty="0"/>
-              <a:t>рейтингу та </a:t>
-            </a:r>
-            <a:r>
-              <a:rPr lang="ru-RU" b="1" dirty="0" err="1"/>
-              <a:t>фіксації</a:t>
-            </a:r>
-            <a:r>
-              <a:rPr lang="ru-RU" b="1" dirty="0"/>
-              <a:t> </a:t>
-            </a:r>
-            <a:r>
-              <a:rPr lang="ru-RU" b="1" dirty="0" err="1"/>
-              <a:t>взаємних</a:t>
-            </a:r>
-            <a:r>
-              <a:rPr lang="ru-RU" b="1" dirty="0"/>
-              <a:t> </a:t>
-            </a:r>
-            <a:r>
-              <a:rPr lang="ru-RU" b="1" dirty="0" err="1"/>
-              <a:t>симпатій</a:t>
-            </a:r>
-            <a:r>
-              <a:rPr lang="ru-RU" b="1" dirty="0"/>
-              <a:t>/</a:t>
-            </a:r>
-            <a:r>
-              <a:rPr lang="ru-RU" b="1" dirty="0" err="1"/>
-              <a:t>антипатій</a:t>
             </a:r>
             <a:endParaRPr lang="ru-RU" dirty="0"/>
           </a:p>
@@ -9158,74 +9159,12 @@
               <a:t>• </a:t>
             </a:r>
             <a:r>
-              <a:rPr lang="en-GB" b="1" dirty="0"/>
-              <a:t>Django</a:t>
-            </a:r>
-            <a:r>
-              <a:rPr lang="en-GB" dirty="0"/>
-              <a:t> – </a:t>
-            </a:r>
-            <a:r>
-              <a:rPr lang="ru-RU" dirty="0"/>
-              <a:t>основа </a:t>
-            </a:r>
-            <a:r>
-              <a:rPr lang="ru-RU" dirty="0" err="1"/>
-              <a:t>серверної</a:t>
-            </a:r>
-            <a:r>
-              <a:rPr lang="ru-RU" dirty="0"/>
-              <a:t> </a:t>
-            </a:r>
-            <a:r>
-              <a:rPr lang="ru-RU" dirty="0" err="1"/>
-              <a:t>логіки</a:t>
-            </a:r>
-            <a:r>
-              <a:rPr lang="ru-RU" dirty="0"/>
-              <a:t>, </a:t>
-            </a:r>
-            <a:r>
-              <a:rPr lang="ru-RU" dirty="0" err="1"/>
-              <a:t>реалізація</a:t>
-            </a:r>
-            <a:r>
-              <a:rPr lang="ru-RU" dirty="0"/>
-              <a:t> </a:t>
-            </a:r>
-            <a:r>
-              <a:rPr lang="en-GB" dirty="0"/>
-              <a:t>REST API, </a:t>
-            </a:r>
-            <a:r>
-              <a:rPr lang="ru-RU" dirty="0" err="1"/>
-              <a:t>авторизації</a:t>
-            </a:r>
-            <a:r>
-              <a:rPr lang="ru-RU" dirty="0"/>
-              <a:t>, </a:t>
-            </a:r>
-            <a:r>
-              <a:rPr lang="en-GB" dirty="0"/>
-              <a:t>CRUD-</a:t>
-            </a:r>
-            <a:r>
-              <a:rPr lang="ru-RU" dirty="0" err="1"/>
-              <a:t>операцій</a:t>
-            </a:r>
-            <a:r>
-              <a:rPr lang="ru-RU" dirty="0"/>
-              <a:t> </a:t>
-            </a:r>
-            <a:endParaRPr lang="en-GB" dirty="0"/>
-          </a:p>
-          <a:p>
-            <a:pPr marL="0" indent="0">
-              <a:buNone/>
-            </a:pPr>
+              <a:rPr b="1" dirty="0"/>
+              <a:t>React Router </a:t>
+            </a:r>
             <a:r>
               <a:rPr dirty="0"/>
-              <a:t>• React Router — </a:t>
+              <a:t>— </a:t>
             </a:r>
             <a:r>
               <a:rPr dirty="0" err="1"/>
@@ -9450,6 +9389,430 @@
           <p:cNvPr id="2" name="Заголовок 1">
             <a:extLst>
               <a:ext uri="{FF2B5EF4-FFF2-40B4-BE49-F238E27FC236}">
+                <a16:creationId xmlns:a16="http://schemas.microsoft.com/office/drawing/2014/main" id="{FEA3C4BA-3257-41AC-AE5B-5DA2169AB222}"/>
+              </a:ext>
+            </a:extLst>
+          </p:cNvPr>
+          <p:cNvSpPr>
+            <a:spLocks noGrp="1"/>
+          </p:cNvSpPr>
+          <p:nvPr>
+            <p:ph type="title"/>
+          </p:nvPr>
+        </p:nvSpPr>
+        <p:spPr/>
+        <p:txBody>
+          <a:bodyPr/>
+          <a:lstStyle/>
+          <a:p>
+            <a:r>
+              <a:rPr lang="uk" dirty="0"/>
+              <a:t>Архітектура створенного програмного забезпечення</a:t>
+            </a:r>
+            <a:endParaRPr lang="ru-RU" dirty="0"/>
+          </a:p>
+        </p:txBody>
+      </p:sp>
+      <p:pic>
+        <p:nvPicPr>
+          <p:cNvPr id="5" name="Google Shape;142;p18">
+            <a:extLst>
+              <a:ext uri="{FF2B5EF4-FFF2-40B4-BE49-F238E27FC236}">
+                <a16:creationId xmlns:a16="http://schemas.microsoft.com/office/drawing/2014/main" id="{2103EC25-E91A-4E42-B4C6-2F9A878DB14C}"/>
+              </a:ext>
+            </a:extLst>
+          </p:cNvPr>
+          <p:cNvPicPr preferRelativeResize="0"/>
+          <p:nvPr/>
+        </p:nvPicPr>
+        <p:blipFill rotWithShape="1">
+          <a:blip r:embed="rId2">
+            <a:alphaModFix/>
+          </a:blip>
+          <a:srcRect/>
+          <a:stretch/>
+        </p:blipFill>
+        <p:spPr>
+          <a:xfrm>
+            <a:off x="178474" y="6041363"/>
+            <a:ext cx="862250" cy="581750"/>
+          </a:xfrm>
+          <a:prstGeom prst="rect">
+            <a:avLst/>
+          </a:prstGeom>
+          <a:noFill/>
+          <a:ln>
+            <a:noFill/>
+          </a:ln>
+        </p:spPr>
+      </p:pic>
+      <p:sp>
+        <p:nvSpPr>
+          <p:cNvPr id="6" name="TextBox 5">
+            <a:extLst>
+              <a:ext uri="{FF2B5EF4-FFF2-40B4-BE49-F238E27FC236}">
+                <a16:creationId xmlns:a16="http://schemas.microsoft.com/office/drawing/2014/main" id="{0617ED85-C8F5-46AF-B1AA-C30B65F995CF}"/>
+              </a:ext>
+            </a:extLst>
+          </p:cNvPr>
+          <p:cNvSpPr txBox="1"/>
+          <p:nvPr/>
+        </p:nvSpPr>
+        <p:spPr>
+          <a:xfrm>
+            <a:off x="8682990" y="6469224"/>
+            <a:ext cx="922020" cy="307777"/>
+          </a:xfrm>
+          <a:prstGeom prst="rect">
+            <a:avLst/>
+          </a:prstGeom>
+          <a:noFill/>
+        </p:spPr>
+        <p:txBody>
+          <a:bodyPr wrap="square" rtlCol="0">
+            <a:spAutoFit/>
+          </a:bodyPr>
+          <a:lstStyle/>
+          <a:p>
+            <a:r>
+              <a:rPr lang="ru-RU" sz="1400" dirty="0"/>
+              <a:t>7</a:t>
+            </a:r>
+          </a:p>
+        </p:txBody>
+      </p:sp>
+      <p:pic>
+        <p:nvPicPr>
+          <p:cNvPr id="9" name="Рисунок 8">
+            <a:extLst>
+              <a:ext uri="{FF2B5EF4-FFF2-40B4-BE49-F238E27FC236}">
+                <a16:creationId xmlns:a16="http://schemas.microsoft.com/office/drawing/2014/main" id="{C309985D-D21F-0F6D-E93A-249882C94185}"/>
+              </a:ext>
+            </a:extLst>
+          </p:cNvPr>
+          <p:cNvPicPr>
+            <a:picLocks noChangeAspect="1"/>
+          </p:cNvPicPr>
+          <p:nvPr/>
+        </p:nvPicPr>
+        <p:blipFill>
+          <a:blip r:embed="rId3"/>
+          <a:stretch>
+            <a:fillRect/>
+          </a:stretch>
+        </p:blipFill>
+        <p:spPr>
+          <a:xfrm>
+            <a:off x="1534807" y="1798242"/>
+            <a:ext cx="4367789" cy="4978759"/>
+          </a:xfrm>
+          <a:prstGeom prst="rect">
+            <a:avLst/>
+          </a:prstGeom>
+        </p:spPr>
+      </p:pic>
+      <p:sp>
+        <p:nvSpPr>
+          <p:cNvPr id="8" name="Прямоугольник 7">
+            <a:extLst>
+              <a:ext uri="{FF2B5EF4-FFF2-40B4-BE49-F238E27FC236}">
+                <a16:creationId xmlns:a16="http://schemas.microsoft.com/office/drawing/2014/main" id="{21457A50-C4D0-4953-8F99-4A453114344A}"/>
+              </a:ext>
+            </a:extLst>
+          </p:cNvPr>
+          <p:cNvSpPr/>
+          <p:nvPr/>
+        </p:nvSpPr>
+        <p:spPr>
+          <a:xfrm>
+            <a:off x="3534846" y="6332238"/>
+            <a:ext cx="3845925" cy="369332"/>
+          </a:xfrm>
+          <a:prstGeom prst="rect">
+            <a:avLst/>
+          </a:prstGeom>
+        </p:spPr>
+        <p:txBody>
+          <a:bodyPr wrap="none">
+            <a:spAutoFit/>
+          </a:bodyPr>
+          <a:lstStyle/>
+          <a:p>
+            <a:r>
+              <a:rPr lang="en-GB" dirty="0"/>
+              <a:t>ER-</a:t>
+            </a:r>
+            <a:r>
+              <a:rPr lang="ru-RU" dirty="0" err="1"/>
+              <a:t>діаграма</a:t>
+            </a:r>
+            <a:r>
+              <a:rPr lang="ru-RU" dirty="0"/>
+              <a:t> </a:t>
+            </a:r>
+            <a:r>
+              <a:rPr lang="ru-RU" dirty="0" err="1"/>
+              <a:t>структури</a:t>
+            </a:r>
+            <a:r>
+              <a:rPr lang="ru-RU" dirty="0"/>
+              <a:t> бази даних</a:t>
+            </a:r>
+          </a:p>
+        </p:txBody>
+      </p:sp>
+    </p:spTree>
+    <p:extLst>
+      <p:ext uri="{BB962C8B-B14F-4D97-AF65-F5344CB8AC3E}">
+        <p14:creationId xmlns:p14="http://schemas.microsoft.com/office/powerpoint/2010/main" val="2047725513"/>
+      </p:ext>
+    </p:extLst>
+  </p:cSld>
+  <p:clrMapOvr>
+    <a:masterClrMapping/>
+  </p:clrMapOvr>
+</p:sld>
+</file>
+
+<file path=ppt/slides/slide8.xml><?xml version="1.0" encoding="utf-8"?>
+<p:sld xmlns:a="http://schemas.openxmlformats.org/drawingml/2006/main" xmlns:r="http://schemas.openxmlformats.org/officeDocument/2006/relationships" xmlns:p="http://schemas.openxmlformats.org/presentationml/2006/main">
+  <p:cSld>
+    <p:spTree>
+      <p:nvGrpSpPr>
+        <p:cNvPr id="1" name=""/>
+        <p:cNvGrpSpPr/>
+        <p:nvPr/>
+      </p:nvGrpSpPr>
+      <p:grpSpPr>
+        <a:xfrm>
+          <a:off x="0" y="0"/>
+          <a:ext cx="0" cy="0"/>
+          <a:chOff x="0" y="0"/>
+          <a:chExt cx="0" cy="0"/>
+        </a:xfrm>
+      </p:grpSpPr>
+      <p:sp>
+        <p:nvSpPr>
+          <p:cNvPr id="2" name="Заголовок 1">
+            <a:extLst>
+              <a:ext uri="{FF2B5EF4-FFF2-40B4-BE49-F238E27FC236}">
+                <a16:creationId xmlns:a16="http://schemas.microsoft.com/office/drawing/2014/main" id="{6B1D957B-DD44-4F41-AC02-A9B8BB360197}"/>
+              </a:ext>
+            </a:extLst>
+          </p:cNvPr>
+          <p:cNvSpPr>
+            <a:spLocks noGrp="1"/>
+          </p:cNvSpPr>
+          <p:nvPr>
+            <p:ph type="title"/>
+          </p:nvPr>
+        </p:nvSpPr>
+        <p:spPr/>
+        <p:txBody>
+          <a:bodyPr/>
+          <a:lstStyle/>
+          <a:p>
+            <a:r>
+              <a:rPr lang="uk" dirty="0"/>
+              <a:t>Архітектура створенного програмного забезпечення</a:t>
+            </a:r>
+            <a:endParaRPr lang="ru-RU" dirty="0"/>
+          </a:p>
+        </p:txBody>
+      </p:sp>
+      <p:sp>
+        <p:nvSpPr>
+          <p:cNvPr id="5" name="TextBox 4">
+            <a:extLst>
+              <a:ext uri="{FF2B5EF4-FFF2-40B4-BE49-F238E27FC236}">
+                <a16:creationId xmlns:a16="http://schemas.microsoft.com/office/drawing/2014/main" id="{D1F61BD3-1275-4102-8A02-4F9D5A1B75A7}"/>
+              </a:ext>
+            </a:extLst>
+          </p:cNvPr>
+          <p:cNvSpPr txBox="1"/>
+          <p:nvPr/>
+        </p:nvSpPr>
+        <p:spPr>
+          <a:xfrm rot="10800000" flipV="1">
+            <a:off x="1750395" y="5252688"/>
+            <a:ext cx="4805220" cy="369332"/>
+          </a:xfrm>
+          <a:prstGeom prst="rect">
+            <a:avLst/>
+          </a:prstGeom>
+          <a:noFill/>
+        </p:spPr>
+        <p:txBody>
+          <a:bodyPr wrap="square" rtlCol="0">
+            <a:spAutoFit/>
+          </a:bodyPr>
+          <a:lstStyle/>
+          <a:p>
+            <a:r>
+              <a:rPr lang="ru-RU" dirty="0" err="1"/>
+              <a:t>Діаграма</a:t>
+            </a:r>
+            <a:r>
+              <a:rPr lang="ru-RU" dirty="0"/>
+              <a:t> </a:t>
+            </a:r>
+            <a:r>
+              <a:rPr lang="ru-RU" dirty="0" err="1"/>
+              <a:t>компонентів</a:t>
+            </a:r>
+            <a:r>
+              <a:rPr lang="ru-RU" dirty="0"/>
+              <a:t> </a:t>
+            </a:r>
+            <a:r>
+              <a:rPr lang="ru-RU" dirty="0" err="1"/>
+              <a:t>серверної</a:t>
+            </a:r>
+            <a:r>
+              <a:rPr lang="ru-RU" dirty="0"/>
+              <a:t> </a:t>
+            </a:r>
+            <a:r>
+              <a:rPr lang="ru-RU" dirty="0" err="1"/>
+              <a:t>частини</a:t>
+            </a:r>
+            <a:endParaRPr lang="ru-RU" dirty="0"/>
+          </a:p>
+        </p:txBody>
+      </p:sp>
+      <p:pic>
+        <p:nvPicPr>
+          <p:cNvPr id="7" name="Google Shape;142;p18">
+            <a:extLst>
+              <a:ext uri="{FF2B5EF4-FFF2-40B4-BE49-F238E27FC236}">
+                <a16:creationId xmlns:a16="http://schemas.microsoft.com/office/drawing/2014/main" id="{11CBB652-1E6E-41B8-BA72-0C65E5F5DDED}"/>
+              </a:ext>
+            </a:extLst>
+          </p:cNvPr>
+          <p:cNvPicPr preferRelativeResize="0"/>
+          <p:nvPr/>
+        </p:nvPicPr>
+        <p:blipFill rotWithShape="1">
+          <a:blip r:embed="rId2">
+            <a:alphaModFix/>
+          </a:blip>
+          <a:srcRect/>
+          <a:stretch/>
+        </p:blipFill>
+        <p:spPr>
+          <a:xfrm>
+            <a:off x="178474" y="6041363"/>
+            <a:ext cx="862250" cy="581750"/>
+          </a:xfrm>
+          <a:prstGeom prst="rect">
+            <a:avLst/>
+          </a:prstGeom>
+          <a:noFill/>
+          <a:ln>
+            <a:noFill/>
+          </a:ln>
+        </p:spPr>
+      </p:pic>
+      <p:sp>
+        <p:nvSpPr>
+          <p:cNvPr id="8" name="TextBox 7">
+            <a:extLst>
+              <a:ext uri="{FF2B5EF4-FFF2-40B4-BE49-F238E27FC236}">
+                <a16:creationId xmlns:a16="http://schemas.microsoft.com/office/drawing/2014/main" id="{D2CC07EF-A85E-421A-852B-7001A45CAB97}"/>
+              </a:ext>
+            </a:extLst>
+          </p:cNvPr>
+          <p:cNvSpPr txBox="1"/>
+          <p:nvPr/>
+        </p:nvSpPr>
+        <p:spPr>
+          <a:xfrm>
+            <a:off x="8682990" y="6469224"/>
+            <a:ext cx="922020" cy="307777"/>
+          </a:xfrm>
+          <a:prstGeom prst="rect">
+            <a:avLst/>
+          </a:prstGeom>
+          <a:noFill/>
+        </p:spPr>
+        <p:txBody>
+          <a:bodyPr wrap="square" rtlCol="0">
+            <a:spAutoFit/>
+          </a:bodyPr>
+          <a:lstStyle/>
+          <a:p>
+            <a:r>
+              <a:rPr lang="ru-RU" sz="1400" dirty="0"/>
+              <a:t>8</a:t>
+            </a:r>
+          </a:p>
+        </p:txBody>
+      </p:sp>
+      <p:pic>
+        <p:nvPicPr>
+          <p:cNvPr id="9" name="Рисунок 8">
+            <a:extLst>
+              <a:ext uri="{FF2B5EF4-FFF2-40B4-BE49-F238E27FC236}">
+                <a16:creationId xmlns:a16="http://schemas.microsoft.com/office/drawing/2014/main" id="{862B974B-84BA-4FC8-2FAF-D4F78F968BF8}"/>
+              </a:ext>
+            </a:extLst>
+          </p:cNvPr>
+          <p:cNvPicPr>
+            <a:picLocks noChangeAspect="1"/>
+          </p:cNvPicPr>
+          <p:nvPr/>
+        </p:nvPicPr>
+        <p:blipFill>
+          <a:blip r:embed="rId3"/>
+          <a:stretch>
+            <a:fillRect/>
+          </a:stretch>
+        </p:blipFill>
+        <p:spPr>
+          <a:xfrm>
+            <a:off x="1011292" y="1847641"/>
+            <a:ext cx="5544324" cy="2991267"/>
+          </a:xfrm>
+          <a:prstGeom prst="rect">
+            <a:avLst/>
+          </a:prstGeom>
+        </p:spPr>
+      </p:pic>
+    </p:spTree>
+    <p:extLst>
+      <p:ext uri="{BB962C8B-B14F-4D97-AF65-F5344CB8AC3E}">
+        <p14:creationId xmlns:p14="http://schemas.microsoft.com/office/powerpoint/2010/main" val="362641947"/>
+      </p:ext>
+    </p:extLst>
+  </p:cSld>
+  <p:clrMapOvr>
+    <a:masterClrMapping/>
+  </p:clrMapOvr>
+</p:sld>
+</file>
+
+<file path=ppt/slides/slide9.xml><?xml version="1.0" encoding="utf-8"?>
+<p:sld xmlns:a="http://schemas.openxmlformats.org/drawingml/2006/main" xmlns:r="http://schemas.openxmlformats.org/officeDocument/2006/relationships" xmlns:p="http://schemas.openxmlformats.org/presentationml/2006/main">
+  <p:cSld>
+    <p:spTree>
+      <p:nvGrpSpPr>
+        <p:cNvPr id="1" name=""/>
+        <p:cNvGrpSpPr/>
+        <p:nvPr/>
+      </p:nvGrpSpPr>
+      <p:grpSpPr>
+        <a:xfrm>
+          <a:off x="0" y="0"/>
+          <a:ext cx="0" cy="0"/>
+          <a:chOff x="0" y="0"/>
+          <a:chExt cx="0" cy="0"/>
+        </a:xfrm>
+      </p:grpSpPr>
+      <p:sp>
+        <p:nvSpPr>
+          <p:cNvPr id="2" name="Заголовок 1">
+            <a:extLst>
+              <a:ext uri="{FF2B5EF4-FFF2-40B4-BE49-F238E27FC236}">
                 <a16:creationId xmlns:a16="http://schemas.microsoft.com/office/drawing/2014/main" id="{36F5B381-D2EC-47A0-84A6-15F9D66BBF42}"/>
               </a:ext>
             </a:extLst>
@@ -9541,10 +9904,9 @@
           <a:lstStyle/>
           <a:p>
             <a:r>
-              <a:rPr lang="en-US" sz="1400" dirty="0"/>
-              <a:t>7</a:t>
-            </a:r>
-            <a:endParaRPr lang="ru-RU" sz="1400" dirty="0"/>
+              <a:rPr lang="ru-RU" sz="1400" dirty="0"/>
+              <a:t>9</a:t>
+            </a:r>
           </a:p>
         </p:txBody>
       </p:sp>
@@ -9642,430 +10004,6 @@
     <p:extLst>
       <p:ext uri="{BB962C8B-B14F-4D97-AF65-F5344CB8AC3E}">
         <p14:creationId xmlns:p14="http://schemas.microsoft.com/office/powerpoint/2010/main" val="126554538"/>
-      </p:ext>
-    </p:extLst>
-  </p:cSld>
-  <p:clrMapOvr>
-    <a:masterClrMapping/>
-  </p:clrMapOvr>
-</p:sld>
-</file>
-
-<file path=ppt/slides/slide8.xml><?xml version="1.0" encoding="utf-8"?>
-<p:sld xmlns:a="http://schemas.openxmlformats.org/drawingml/2006/main" xmlns:r="http://schemas.openxmlformats.org/officeDocument/2006/relationships" xmlns:p="http://schemas.openxmlformats.org/presentationml/2006/main">
-  <p:cSld>
-    <p:spTree>
-      <p:nvGrpSpPr>
-        <p:cNvPr id="1" name=""/>
-        <p:cNvGrpSpPr/>
-        <p:nvPr/>
-      </p:nvGrpSpPr>
-      <p:grpSpPr>
-        <a:xfrm>
-          <a:off x="0" y="0"/>
-          <a:ext cx="0" cy="0"/>
-          <a:chOff x="0" y="0"/>
-          <a:chExt cx="0" cy="0"/>
-        </a:xfrm>
-      </p:grpSpPr>
-      <p:sp>
-        <p:nvSpPr>
-          <p:cNvPr id="2" name="Заголовок 1">
-            <a:extLst>
-              <a:ext uri="{FF2B5EF4-FFF2-40B4-BE49-F238E27FC236}">
-                <a16:creationId xmlns:a16="http://schemas.microsoft.com/office/drawing/2014/main" id="{FEA3C4BA-3257-41AC-AE5B-5DA2169AB222}"/>
-              </a:ext>
-            </a:extLst>
-          </p:cNvPr>
-          <p:cNvSpPr>
-            <a:spLocks noGrp="1"/>
-          </p:cNvSpPr>
-          <p:nvPr>
-            <p:ph type="title"/>
-          </p:nvPr>
-        </p:nvSpPr>
-        <p:spPr/>
-        <p:txBody>
-          <a:bodyPr/>
-          <a:lstStyle/>
-          <a:p>
-            <a:r>
-              <a:rPr lang="uk" dirty="0"/>
-              <a:t>Архітектура створенного програмного забезпечення</a:t>
-            </a:r>
-            <a:endParaRPr lang="ru-RU" dirty="0"/>
-          </a:p>
-        </p:txBody>
-      </p:sp>
-      <p:pic>
-        <p:nvPicPr>
-          <p:cNvPr id="5" name="Google Shape;142;p18">
-            <a:extLst>
-              <a:ext uri="{FF2B5EF4-FFF2-40B4-BE49-F238E27FC236}">
-                <a16:creationId xmlns:a16="http://schemas.microsoft.com/office/drawing/2014/main" id="{2103EC25-E91A-4E42-B4C6-2F9A878DB14C}"/>
-              </a:ext>
-            </a:extLst>
-          </p:cNvPr>
-          <p:cNvPicPr preferRelativeResize="0"/>
-          <p:nvPr/>
-        </p:nvPicPr>
-        <p:blipFill rotWithShape="1">
-          <a:blip r:embed="rId2">
-            <a:alphaModFix/>
-          </a:blip>
-          <a:srcRect/>
-          <a:stretch/>
-        </p:blipFill>
-        <p:spPr>
-          <a:xfrm>
-            <a:off x="178474" y="6041363"/>
-            <a:ext cx="862250" cy="581750"/>
-          </a:xfrm>
-          <a:prstGeom prst="rect">
-            <a:avLst/>
-          </a:prstGeom>
-          <a:noFill/>
-          <a:ln>
-            <a:noFill/>
-          </a:ln>
-        </p:spPr>
-      </p:pic>
-      <p:sp>
-        <p:nvSpPr>
-          <p:cNvPr id="6" name="TextBox 5">
-            <a:extLst>
-              <a:ext uri="{FF2B5EF4-FFF2-40B4-BE49-F238E27FC236}">
-                <a16:creationId xmlns:a16="http://schemas.microsoft.com/office/drawing/2014/main" id="{0617ED85-C8F5-46AF-B1AA-C30B65F995CF}"/>
-              </a:ext>
-            </a:extLst>
-          </p:cNvPr>
-          <p:cNvSpPr txBox="1"/>
-          <p:nvPr/>
-        </p:nvSpPr>
-        <p:spPr>
-          <a:xfrm>
-            <a:off x="8682990" y="6469224"/>
-            <a:ext cx="922020" cy="307777"/>
-          </a:xfrm>
-          <a:prstGeom prst="rect">
-            <a:avLst/>
-          </a:prstGeom>
-          <a:noFill/>
-        </p:spPr>
-        <p:txBody>
-          <a:bodyPr wrap="square" rtlCol="0">
-            <a:spAutoFit/>
-          </a:bodyPr>
-          <a:lstStyle/>
-          <a:p>
-            <a:r>
-              <a:rPr lang="ru-RU" sz="1400" dirty="0"/>
-              <a:t>8</a:t>
-            </a:r>
-          </a:p>
-        </p:txBody>
-      </p:sp>
-      <p:pic>
-        <p:nvPicPr>
-          <p:cNvPr id="9" name="Рисунок 8">
-            <a:extLst>
-              <a:ext uri="{FF2B5EF4-FFF2-40B4-BE49-F238E27FC236}">
-                <a16:creationId xmlns:a16="http://schemas.microsoft.com/office/drawing/2014/main" id="{C309985D-D21F-0F6D-E93A-249882C94185}"/>
-              </a:ext>
-            </a:extLst>
-          </p:cNvPr>
-          <p:cNvPicPr>
-            <a:picLocks noChangeAspect="1"/>
-          </p:cNvPicPr>
-          <p:nvPr/>
-        </p:nvPicPr>
-        <p:blipFill>
-          <a:blip r:embed="rId3"/>
-          <a:stretch>
-            <a:fillRect/>
-          </a:stretch>
-        </p:blipFill>
-        <p:spPr>
-          <a:xfrm>
-            <a:off x="1534807" y="1798242"/>
-            <a:ext cx="4367789" cy="4978759"/>
-          </a:xfrm>
-          <a:prstGeom prst="rect">
-            <a:avLst/>
-          </a:prstGeom>
-        </p:spPr>
-      </p:pic>
-      <p:sp>
-        <p:nvSpPr>
-          <p:cNvPr id="8" name="Прямоугольник 7">
-            <a:extLst>
-              <a:ext uri="{FF2B5EF4-FFF2-40B4-BE49-F238E27FC236}">
-                <a16:creationId xmlns:a16="http://schemas.microsoft.com/office/drawing/2014/main" id="{21457A50-C4D0-4953-8F99-4A453114344A}"/>
-              </a:ext>
-            </a:extLst>
-          </p:cNvPr>
-          <p:cNvSpPr/>
-          <p:nvPr/>
-        </p:nvSpPr>
-        <p:spPr>
-          <a:xfrm>
-            <a:off x="3534846" y="6332238"/>
-            <a:ext cx="3845925" cy="369332"/>
-          </a:xfrm>
-          <a:prstGeom prst="rect">
-            <a:avLst/>
-          </a:prstGeom>
-        </p:spPr>
-        <p:txBody>
-          <a:bodyPr wrap="none">
-            <a:spAutoFit/>
-          </a:bodyPr>
-          <a:lstStyle/>
-          <a:p>
-            <a:r>
-              <a:rPr lang="en-GB" dirty="0"/>
-              <a:t>ER-</a:t>
-            </a:r>
-            <a:r>
-              <a:rPr lang="ru-RU" dirty="0" err="1"/>
-              <a:t>діаграма</a:t>
-            </a:r>
-            <a:r>
-              <a:rPr lang="ru-RU" dirty="0"/>
-              <a:t> </a:t>
-            </a:r>
-            <a:r>
-              <a:rPr lang="ru-RU" dirty="0" err="1"/>
-              <a:t>структури</a:t>
-            </a:r>
-            <a:r>
-              <a:rPr lang="ru-RU" dirty="0"/>
-              <a:t> бази даних</a:t>
-            </a:r>
-          </a:p>
-        </p:txBody>
-      </p:sp>
-    </p:spTree>
-    <p:extLst>
-      <p:ext uri="{BB962C8B-B14F-4D97-AF65-F5344CB8AC3E}">
-        <p14:creationId xmlns:p14="http://schemas.microsoft.com/office/powerpoint/2010/main" val="2047725513"/>
-      </p:ext>
-    </p:extLst>
-  </p:cSld>
-  <p:clrMapOvr>
-    <a:masterClrMapping/>
-  </p:clrMapOvr>
-</p:sld>
-</file>
-
-<file path=ppt/slides/slide9.xml><?xml version="1.0" encoding="utf-8"?>
-<p:sld xmlns:a="http://schemas.openxmlformats.org/drawingml/2006/main" xmlns:r="http://schemas.openxmlformats.org/officeDocument/2006/relationships" xmlns:p="http://schemas.openxmlformats.org/presentationml/2006/main">
-  <p:cSld>
-    <p:spTree>
-      <p:nvGrpSpPr>
-        <p:cNvPr id="1" name=""/>
-        <p:cNvGrpSpPr/>
-        <p:nvPr/>
-      </p:nvGrpSpPr>
-      <p:grpSpPr>
-        <a:xfrm>
-          <a:off x="0" y="0"/>
-          <a:ext cx="0" cy="0"/>
-          <a:chOff x="0" y="0"/>
-          <a:chExt cx="0" cy="0"/>
-        </a:xfrm>
-      </p:grpSpPr>
-      <p:sp>
-        <p:nvSpPr>
-          <p:cNvPr id="2" name="Заголовок 1">
-            <a:extLst>
-              <a:ext uri="{FF2B5EF4-FFF2-40B4-BE49-F238E27FC236}">
-                <a16:creationId xmlns:a16="http://schemas.microsoft.com/office/drawing/2014/main" id="{6B1D957B-DD44-4F41-AC02-A9B8BB360197}"/>
-              </a:ext>
-            </a:extLst>
-          </p:cNvPr>
-          <p:cNvSpPr>
-            <a:spLocks noGrp="1"/>
-          </p:cNvSpPr>
-          <p:nvPr>
-            <p:ph type="title"/>
-          </p:nvPr>
-        </p:nvSpPr>
-        <p:spPr/>
-        <p:txBody>
-          <a:bodyPr/>
-          <a:lstStyle/>
-          <a:p>
-            <a:r>
-              <a:rPr lang="uk" dirty="0"/>
-              <a:t>Архітектура створенного програмного забезпечення</a:t>
-            </a:r>
-            <a:endParaRPr lang="ru-RU" dirty="0"/>
-          </a:p>
-        </p:txBody>
-      </p:sp>
-      <p:sp>
-        <p:nvSpPr>
-          <p:cNvPr id="5" name="TextBox 4">
-            <a:extLst>
-              <a:ext uri="{FF2B5EF4-FFF2-40B4-BE49-F238E27FC236}">
-                <a16:creationId xmlns:a16="http://schemas.microsoft.com/office/drawing/2014/main" id="{D1F61BD3-1275-4102-8A02-4F9D5A1B75A7}"/>
-              </a:ext>
-            </a:extLst>
-          </p:cNvPr>
-          <p:cNvSpPr txBox="1"/>
-          <p:nvPr/>
-        </p:nvSpPr>
-        <p:spPr>
-          <a:xfrm rot="10800000" flipV="1">
-            <a:off x="1750395" y="5252688"/>
-            <a:ext cx="4805220" cy="369332"/>
-          </a:xfrm>
-          <a:prstGeom prst="rect">
-            <a:avLst/>
-          </a:prstGeom>
-          <a:noFill/>
-        </p:spPr>
-        <p:txBody>
-          <a:bodyPr wrap="square" rtlCol="0">
-            <a:spAutoFit/>
-          </a:bodyPr>
-          <a:lstStyle/>
-          <a:p>
-            <a:r>
-              <a:rPr lang="ru-RU" dirty="0" err="1"/>
-              <a:t>Діаграма</a:t>
-            </a:r>
-            <a:r>
-              <a:rPr lang="ru-RU" dirty="0"/>
-              <a:t> </a:t>
-            </a:r>
-            <a:r>
-              <a:rPr lang="ru-RU" dirty="0" err="1"/>
-              <a:t>компонентів</a:t>
-            </a:r>
-            <a:r>
-              <a:rPr lang="ru-RU" dirty="0"/>
-              <a:t> </a:t>
-            </a:r>
-            <a:r>
-              <a:rPr lang="ru-RU" dirty="0" err="1"/>
-              <a:t>серверної</a:t>
-            </a:r>
-            <a:r>
-              <a:rPr lang="ru-RU" dirty="0"/>
-              <a:t> </a:t>
-            </a:r>
-            <a:r>
-              <a:rPr lang="ru-RU" dirty="0" err="1"/>
-              <a:t>частини</a:t>
-            </a:r>
-            <a:endParaRPr lang="ru-RU" dirty="0"/>
-          </a:p>
-        </p:txBody>
-      </p:sp>
-      <p:pic>
-        <p:nvPicPr>
-          <p:cNvPr id="7" name="Google Shape;142;p18">
-            <a:extLst>
-              <a:ext uri="{FF2B5EF4-FFF2-40B4-BE49-F238E27FC236}">
-                <a16:creationId xmlns:a16="http://schemas.microsoft.com/office/drawing/2014/main" id="{11CBB652-1E6E-41B8-BA72-0C65E5F5DDED}"/>
-              </a:ext>
-            </a:extLst>
-          </p:cNvPr>
-          <p:cNvPicPr preferRelativeResize="0"/>
-          <p:nvPr/>
-        </p:nvPicPr>
-        <p:blipFill rotWithShape="1">
-          <a:blip r:embed="rId2">
-            <a:alphaModFix/>
-          </a:blip>
-          <a:srcRect/>
-          <a:stretch/>
-        </p:blipFill>
-        <p:spPr>
-          <a:xfrm>
-            <a:off x="178474" y="6041363"/>
-            <a:ext cx="862250" cy="581750"/>
-          </a:xfrm>
-          <a:prstGeom prst="rect">
-            <a:avLst/>
-          </a:prstGeom>
-          <a:noFill/>
-          <a:ln>
-            <a:noFill/>
-          </a:ln>
-        </p:spPr>
-      </p:pic>
-      <p:sp>
-        <p:nvSpPr>
-          <p:cNvPr id="8" name="TextBox 7">
-            <a:extLst>
-              <a:ext uri="{FF2B5EF4-FFF2-40B4-BE49-F238E27FC236}">
-                <a16:creationId xmlns:a16="http://schemas.microsoft.com/office/drawing/2014/main" id="{D2CC07EF-A85E-421A-852B-7001A45CAB97}"/>
-              </a:ext>
-            </a:extLst>
-          </p:cNvPr>
-          <p:cNvSpPr txBox="1"/>
-          <p:nvPr/>
-        </p:nvSpPr>
-        <p:spPr>
-          <a:xfrm>
-            <a:off x="8682990" y="6469224"/>
-            <a:ext cx="922020" cy="307777"/>
-          </a:xfrm>
-          <a:prstGeom prst="rect">
-            <a:avLst/>
-          </a:prstGeom>
-          <a:noFill/>
-        </p:spPr>
-        <p:txBody>
-          <a:bodyPr wrap="square" rtlCol="0">
-            <a:spAutoFit/>
-          </a:bodyPr>
-          <a:lstStyle/>
-          <a:p>
-            <a:r>
-              <a:rPr lang="ru-RU" sz="1400" dirty="0"/>
-              <a:t>9</a:t>
-            </a:r>
-          </a:p>
-        </p:txBody>
-      </p:sp>
-      <p:pic>
-        <p:nvPicPr>
-          <p:cNvPr id="9" name="Рисунок 8">
-            <a:extLst>
-              <a:ext uri="{FF2B5EF4-FFF2-40B4-BE49-F238E27FC236}">
-                <a16:creationId xmlns:a16="http://schemas.microsoft.com/office/drawing/2014/main" id="{862B974B-84BA-4FC8-2FAF-D4F78F968BF8}"/>
-              </a:ext>
-            </a:extLst>
-          </p:cNvPr>
-          <p:cNvPicPr>
-            <a:picLocks noChangeAspect="1"/>
-          </p:cNvPicPr>
-          <p:nvPr/>
-        </p:nvPicPr>
-        <p:blipFill>
-          <a:blip r:embed="rId3"/>
-          <a:stretch>
-            <a:fillRect/>
-          </a:stretch>
-        </p:blipFill>
-        <p:spPr>
-          <a:xfrm>
-            <a:off x="1011292" y="1847641"/>
-            <a:ext cx="5544324" cy="2991267"/>
-          </a:xfrm>
-          <a:prstGeom prst="rect">
-            <a:avLst/>
-          </a:prstGeom>
-        </p:spPr>
-      </p:pic>
-    </p:spTree>
-    <p:extLst>
-      <p:ext uri="{BB962C8B-B14F-4D97-AF65-F5344CB8AC3E}">
-        <p14:creationId xmlns:p14="http://schemas.microsoft.com/office/powerpoint/2010/main" val="362641947"/>
       </p:ext>
     </p:extLst>
   </p:cSld>

--- a/2025_Б_ПІ_ПЗПІ_21-11_Романовський_І_М.pptx
+++ b/2025_Б_ПІ_ПЗПІ_21-11_Романовський_І_М.pptx
@@ -927,7 +927,7 @@
           <a:p>
             <a:fld id="{5BCAD085-E8A6-8845-BD4E-CB4CCA059FC4}" type="datetimeFigureOut">
               <a:rPr lang="en-US" smtClean="0"/>
-              <a:t>6/15/2025</a:t>
+              <a:t>6/16/2025</a:t>
             </a:fld>
             <a:endParaRPr lang="en-US"/>
           </a:p>
@@ -1178,7 +1178,7 @@
           <a:p>
             <a:fld id="{5BCAD085-E8A6-8845-BD4E-CB4CCA059FC4}" type="datetimeFigureOut">
               <a:rPr lang="en-US" smtClean="0"/>
-              <a:t>6/15/2025</a:t>
+              <a:t>6/16/2025</a:t>
             </a:fld>
             <a:endParaRPr lang="en-US"/>
           </a:p>
@@ -1492,7 +1492,7 @@
           <a:p>
             <a:fld id="{5BCAD085-E8A6-8845-BD4E-CB4CCA059FC4}" type="datetimeFigureOut">
               <a:rPr lang="en-US" smtClean="0"/>
-              <a:t>6/15/2025</a:t>
+              <a:t>6/16/2025</a:t>
             </a:fld>
             <a:endParaRPr lang="en-US"/>
           </a:p>
@@ -1825,7 +1825,7 @@
           <a:p>
             <a:fld id="{5BCAD085-E8A6-8845-BD4E-CB4CCA059FC4}" type="datetimeFigureOut">
               <a:rPr lang="en-US" smtClean="0"/>
-              <a:t>6/15/2025</a:t>
+              <a:t>6/16/2025</a:t>
             </a:fld>
             <a:endParaRPr lang="en-US"/>
           </a:p>
@@ -2139,7 +2139,7 @@
           <a:p>
             <a:fld id="{5BCAD085-E8A6-8845-BD4E-CB4CCA059FC4}" type="datetimeFigureOut">
               <a:rPr lang="en-US" smtClean="0"/>
-              <a:t>6/15/2025</a:t>
+              <a:t>6/16/2025</a:t>
             </a:fld>
             <a:endParaRPr lang="en-US"/>
           </a:p>
@@ -2532,7 +2532,7 @@
           <a:p>
             <a:fld id="{5BCAD085-E8A6-8845-BD4E-CB4CCA059FC4}" type="datetimeFigureOut">
               <a:rPr lang="en-US" smtClean="0"/>
-              <a:t>6/15/2025</a:t>
+              <a:t>6/16/2025</a:t>
             </a:fld>
             <a:endParaRPr lang="en-US"/>
           </a:p>
@@ -2702,7 +2702,7 @@
           <a:p>
             <a:fld id="{5BCAD085-E8A6-8845-BD4E-CB4CCA059FC4}" type="datetimeFigureOut">
               <a:rPr lang="en-US" smtClean="0"/>
-              <a:t>6/15/2025</a:t>
+              <a:t>6/16/2025</a:t>
             </a:fld>
             <a:endParaRPr lang="en-US"/>
           </a:p>
@@ -2882,7 +2882,7 @@
           <a:p>
             <a:fld id="{5BCAD085-E8A6-8845-BD4E-CB4CCA059FC4}" type="datetimeFigureOut">
               <a:rPr lang="en-US" smtClean="0"/>
-              <a:t>6/15/2025</a:t>
+              <a:t>6/16/2025</a:t>
             </a:fld>
             <a:endParaRPr lang="en-US"/>
           </a:p>
@@ -3052,7 +3052,7 @@
           <a:p>
             <a:fld id="{5BCAD085-E8A6-8845-BD4E-CB4CCA059FC4}" type="datetimeFigureOut">
               <a:rPr lang="en-US" smtClean="0"/>
-              <a:t>6/15/2025</a:t>
+              <a:t>6/16/2025</a:t>
             </a:fld>
             <a:endParaRPr lang="en-US"/>
           </a:p>
@@ -3299,7 +3299,7 @@
           <a:p>
             <a:fld id="{5BCAD085-E8A6-8845-BD4E-CB4CCA059FC4}" type="datetimeFigureOut">
               <a:rPr lang="en-US" smtClean="0"/>
-              <a:t>6/15/2025</a:t>
+              <a:t>6/16/2025</a:t>
             </a:fld>
             <a:endParaRPr lang="en-US"/>
           </a:p>
@@ -3596,7 +3596,7 @@
           <a:p>
             <a:fld id="{5BCAD085-E8A6-8845-BD4E-CB4CCA059FC4}" type="datetimeFigureOut">
               <a:rPr lang="en-US" smtClean="0"/>
-              <a:t>6/15/2025</a:t>
+              <a:t>6/16/2025</a:t>
             </a:fld>
             <a:endParaRPr lang="en-US"/>
           </a:p>
@@ -3975,7 +3975,7 @@
           <a:p>
             <a:fld id="{5BCAD085-E8A6-8845-BD4E-CB4CCA059FC4}" type="datetimeFigureOut">
               <a:rPr lang="en-US" smtClean="0"/>
-              <a:t>6/15/2025</a:t>
+              <a:t>6/16/2025</a:t>
             </a:fld>
             <a:endParaRPr lang="en-US"/>
           </a:p>
@@ -4098,7 +4098,7 @@
           <a:p>
             <a:fld id="{5BCAD085-E8A6-8845-BD4E-CB4CCA059FC4}" type="datetimeFigureOut">
               <a:rPr lang="en-US" smtClean="0"/>
-              <a:t>6/15/2025</a:t>
+              <a:t>6/16/2025</a:t>
             </a:fld>
             <a:endParaRPr lang="en-US"/>
           </a:p>
@@ -4193,7 +4193,7 @@
           <a:p>
             <a:fld id="{5BCAD085-E8A6-8845-BD4E-CB4CCA059FC4}" type="datetimeFigureOut">
               <a:rPr lang="en-US" smtClean="0"/>
-              <a:t>6/15/2025</a:t>
+              <a:t>6/16/2025</a:t>
             </a:fld>
             <a:endParaRPr lang="en-US"/>
           </a:p>
@@ -4448,7 +4448,7 @@
           <a:p>
             <a:fld id="{5BCAD085-E8A6-8845-BD4E-CB4CCA059FC4}" type="datetimeFigureOut">
               <a:rPr lang="en-US" smtClean="0"/>
-              <a:t>6/15/2025</a:t>
+              <a:t>6/16/2025</a:t>
             </a:fld>
             <a:endParaRPr lang="en-US"/>
           </a:p>
@@ -4711,7 +4711,7 @@
           <a:p>
             <a:fld id="{5BCAD085-E8A6-8845-BD4E-CB4CCA059FC4}" type="datetimeFigureOut">
               <a:rPr lang="en-US" smtClean="0"/>
-              <a:t>6/15/2025</a:t>
+              <a:t>6/16/2025</a:t>
             </a:fld>
             <a:endParaRPr lang="en-US"/>
           </a:p>
@@ -5525,7 +5525,7 @@
           <a:p>
             <a:fld id="{5BCAD085-E8A6-8845-BD4E-CB4CCA059FC4}" type="datetimeFigureOut">
               <a:rPr lang="en-US" smtClean="0"/>
-              <a:t>6/15/2025</a:t>
+              <a:t>6/16/2025</a:t>
             </a:fld>
             <a:endParaRPr lang="en-US"/>
           </a:p>
@@ -6067,106 +6067,126 @@
         </p:spPr>
         <p:txBody>
           <a:bodyPr>
-            <a:normAutofit fontScale="90000"/>
+            <a:noAutofit/>
           </a:bodyPr>
           <a:lstStyle/>
           <a:p>
             <a:r>
-              <a:rPr dirty="0" err="1"/>
+              <a:rPr sz="3600" dirty="0" err="1"/>
               <a:t>Програмна</a:t>
             </a:r>
             <a:r>
-              <a:rPr dirty="0"/>
-              <a:t> </a:t>
-            </a:r>
-            <a:r>
-              <a:rPr dirty="0" err="1"/>
+              <a:rPr sz="3600" dirty="0"/>
+              <a:t> </a:t>
+            </a:r>
+            <a:r>
+              <a:rPr sz="3600" dirty="0" err="1"/>
               <a:t>система</a:t>
             </a:r>
             <a:r>
-              <a:rPr dirty="0"/>
-              <a:t> </a:t>
-            </a:r>
-            <a:r>
-              <a:rPr dirty="0" err="1"/>
+              <a:rPr sz="3600" dirty="0"/>
+              <a:t> </a:t>
+            </a:r>
+            <a:r>
+              <a:rPr sz="3600" dirty="0" err="1"/>
               <a:t>для</a:t>
             </a:r>
             <a:r>
-              <a:rPr dirty="0"/>
-              <a:t> </a:t>
-            </a:r>
-            <a:r>
-              <a:rPr dirty="0" err="1"/>
+              <a:rPr sz="3600" dirty="0"/>
+              <a:t> </a:t>
+            </a:r>
+            <a:r>
+              <a:rPr sz="3600" dirty="0" err="1"/>
               <a:t>реалізації</a:t>
             </a:r>
             <a:r>
-              <a:rPr dirty="0"/>
-              <a:t> </a:t>
-            </a:r>
-            <a:r>
-              <a:rPr dirty="0" err="1"/>
+              <a:rPr sz="3600" dirty="0"/>
+              <a:t> </a:t>
+            </a:r>
+            <a:r>
+              <a:rPr sz="3600" dirty="0" err="1"/>
               <a:t>параметричного</a:t>
             </a:r>
             <a:r>
-              <a:rPr dirty="0"/>
-              <a:t> </a:t>
-            </a:r>
-            <a:r>
-              <a:rPr dirty="0" err="1"/>
+              <a:rPr sz="3600" dirty="0"/>
+              <a:t> </a:t>
+            </a:r>
+            <a:r>
+              <a:rPr sz="3600" dirty="0" err="1"/>
               <a:t>пошуку</a:t>
             </a:r>
-            <a:endParaRPr dirty="0"/>
-          </a:p>
-          <a:p>
-            <a:r>
-              <a:rPr dirty="0" err="1"/>
+            <a:endParaRPr sz="3600" dirty="0"/>
+          </a:p>
+          <a:p>
+            <a:r>
+              <a:rPr sz="3600" dirty="0" err="1"/>
               <a:t>партнерів</a:t>
             </a:r>
             <a:r>
-              <a:rPr dirty="0"/>
-              <a:t> </a:t>
-            </a:r>
-            <a:r>
-              <a:rPr dirty="0" err="1"/>
+              <a:rPr sz="3600" dirty="0"/>
+              <a:t> </a:t>
+            </a:r>
+            <a:r>
+              <a:rPr sz="3600" dirty="0" err="1"/>
               <a:t>для</a:t>
             </a:r>
             <a:r>
-              <a:rPr dirty="0"/>
-              <a:t> </a:t>
-            </a:r>
-            <a:r>
-              <a:rPr dirty="0" err="1"/>
+              <a:rPr sz="3600" dirty="0"/>
+              <a:t> </a:t>
+            </a:r>
+            <a:r>
+              <a:rPr sz="3600" dirty="0" err="1"/>
               <a:t>домашніх</a:t>
             </a:r>
             <a:r>
-              <a:rPr dirty="0"/>
-              <a:t> </a:t>
-            </a:r>
-            <a:r>
-              <a:rPr dirty="0" err="1"/>
+              <a:rPr sz="3600" dirty="0"/>
+              <a:t> </a:t>
+            </a:r>
+            <a:r>
+              <a:rPr sz="3600" dirty="0" err="1"/>
               <a:t>улюбленців</a:t>
             </a:r>
-            <a:endParaRPr dirty="0"/>
-          </a:p>
-          <a:p>
-            <a:r>
-              <a:rPr dirty="0"/>
+            <a:r>
+              <a:rPr lang="ru-RU" sz="3600" dirty="0"/>
+              <a:t> з метою </a:t>
+            </a:r>
+            <a:r>
+              <a:rPr lang="ru-RU" sz="3600" dirty="0" err="1"/>
+              <a:t>розведення</a:t>
+            </a:r>
+            <a:r>
+              <a:rPr lang="ru-RU" sz="3600" dirty="0"/>
+              <a:t> </a:t>
+            </a:r>
+            <a:r>
+              <a:rPr lang="ru-RU" sz="3600" dirty="0" err="1"/>
+              <a:t>породистих</a:t>
+            </a:r>
+            <a:r>
+              <a:rPr lang="ru-RU" sz="3600" dirty="0"/>
+              <a:t> тварин. </a:t>
+            </a:r>
+            <a:endParaRPr sz="3600" dirty="0"/>
+          </a:p>
+          <a:p>
+            <a:r>
+              <a:rPr sz="3600" dirty="0"/>
               <a:t>(</a:t>
             </a:r>
             <a:r>
-              <a:rPr lang="ru-RU" dirty="0" err="1"/>
+              <a:rPr lang="ru-RU" sz="3600" dirty="0" err="1"/>
               <a:t>Серверна</a:t>
             </a:r>
             <a:r>
-              <a:rPr dirty="0"/>
-              <a:t> </a:t>
-            </a:r>
-            <a:r>
-              <a:rPr dirty="0" err="1"/>
+              <a:rPr sz="3600" dirty="0"/>
+              <a:t> </a:t>
+            </a:r>
+            <a:r>
+              <a:rPr sz="3600" dirty="0" err="1"/>
               <a:t>частина</a:t>
             </a:r>
             <a:r>
-              <a:rPr dirty="0"/>
+              <a:rPr sz="3600" dirty="0"/>
               <a:t>)</a:t>
             </a:r>
           </a:p>
